--- a/slides/inQueue.pptx
+++ b/slides/inQueue.pptx
@@ -115,6 +115,11 @@
       </a:defRPr>
     </a:lvl9pPr>
   </p:defaultTextStyle>
+  <p:extLst>
+    <p:ext uri="{EFAFB233-063F-42B5-8137-9DF3F51BA10A}">
+      <p15:sldGuideLst xmlns:p15="http://schemas.microsoft.com/office/powerpoint/2012/main"/>
+    </p:ext>
+  </p:extLst>
 </p:presentation>
 </file>
 
@@ -269,7 +274,7 @@
           <a:p>
             <a:fld id="{B5898F52-2787-4BA2-BBBC-9395E9F86D50}" type="datetimeFigureOut">
               <a:rPr lang="en-US" smtClean="0"/>
-              <a:t>6/12/2021</a:t>
+              <a:t>6/13/2021</a:t>
             </a:fld>
             <a:endParaRPr lang="en-US"/>
           </a:p>
@@ -467,7 +472,7 @@
           <a:p>
             <a:fld id="{B5898F52-2787-4BA2-BBBC-9395E9F86D50}" type="datetimeFigureOut">
               <a:rPr lang="en-US" smtClean="0"/>
-              <a:t>6/12/2021</a:t>
+              <a:t>6/13/2021</a:t>
             </a:fld>
             <a:endParaRPr lang="en-US"/>
           </a:p>
@@ -675,7 +680,7 @@
           <a:p>
             <a:fld id="{B5898F52-2787-4BA2-BBBC-9395E9F86D50}" type="datetimeFigureOut">
               <a:rPr lang="en-US" smtClean="0"/>
-              <a:t>6/12/2021</a:t>
+              <a:t>6/13/2021</a:t>
             </a:fld>
             <a:endParaRPr lang="en-US"/>
           </a:p>
@@ -873,7 +878,7 @@
           <a:p>
             <a:fld id="{B5898F52-2787-4BA2-BBBC-9395E9F86D50}" type="datetimeFigureOut">
               <a:rPr lang="en-US" smtClean="0"/>
-              <a:t>6/12/2021</a:t>
+              <a:t>6/13/2021</a:t>
             </a:fld>
             <a:endParaRPr lang="en-US"/>
           </a:p>
@@ -1150,7 +1155,7 @@
           <a:p>
             <a:fld id="{B5898F52-2787-4BA2-BBBC-9395E9F86D50}" type="datetimeFigureOut">
               <a:rPr lang="en-US" smtClean="0"/>
-              <a:t>6/12/2021</a:t>
+              <a:t>6/13/2021</a:t>
             </a:fld>
             <a:endParaRPr lang="en-US"/>
           </a:p>
@@ -1415,7 +1420,7 @@
           <a:p>
             <a:fld id="{B5898F52-2787-4BA2-BBBC-9395E9F86D50}" type="datetimeFigureOut">
               <a:rPr lang="en-US" smtClean="0"/>
-              <a:t>6/12/2021</a:t>
+              <a:t>6/13/2021</a:t>
             </a:fld>
             <a:endParaRPr lang="en-US"/>
           </a:p>
@@ -1845,7 +1850,7 @@
           <a:p>
             <a:fld id="{B5898F52-2787-4BA2-BBBC-9395E9F86D50}" type="datetimeFigureOut">
               <a:rPr lang="en-US" smtClean="0"/>
-              <a:t>6/12/2021</a:t>
+              <a:t>6/13/2021</a:t>
             </a:fld>
             <a:endParaRPr lang="en-US"/>
           </a:p>
@@ -1986,7 +1991,7 @@
           <a:p>
             <a:fld id="{B5898F52-2787-4BA2-BBBC-9395E9F86D50}" type="datetimeFigureOut">
               <a:rPr lang="en-US" smtClean="0"/>
-              <a:t>6/12/2021</a:t>
+              <a:t>6/13/2021</a:t>
             </a:fld>
             <a:endParaRPr lang="en-US"/>
           </a:p>
@@ -2099,7 +2104,7 @@
           <a:p>
             <a:fld id="{B5898F52-2787-4BA2-BBBC-9395E9F86D50}" type="datetimeFigureOut">
               <a:rPr lang="en-US" smtClean="0"/>
-              <a:t>6/12/2021</a:t>
+              <a:t>6/13/2021</a:t>
             </a:fld>
             <a:endParaRPr lang="en-US"/>
           </a:p>
@@ -2410,7 +2415,7 @@
           <a:p>
             <a:fld id="{B5898F52-2787-4BA2-BBBC-9395E9F86D50}" type="datetimeFigureOut">
               <a:rPr lang="en-US" smtClean="0"/>
-              <a:t>6/12/2021</a:t>
+              <a:t>6/13/2021</a:t>
             </a:fld>
             <a:endParaRPr lang="en-US"/>
           </a:p>
@@ -2698,7 +2703,7 @@
           <a:p>
             <a:fld id="{B5898F52-2787-4BA2-BBBC-9395E9F86D50}" type="datetimeFigureOut">
               <a:rPr lang="en-US" smtClean="0"/>
-              <a:t>6/12/2021</a:t>
+              <a:t>6/13/2021</a:t>
             </a:fld>
             <a:endParaRPr lang="en-US"/>
           </a:p>
@@ -7648,7 +7653,7 @@
             <a:fld id="{B5898F52-2787-4BA2-BBBC-9395E9F86D50}" type="datetimeFigureOut">
               <a:rPr lang="en-US" smtClean="0"/>
               <a:pPr/>
-              <a:t>6/12/2021</a:t>
+              <a:t>6/13/2021</a:t>
             </a:fld>
             <a:endParaRPr lang="en-US" dirty="0"/>
           </a:p>
@@ -26839,7 +26844,7 @@
             </a:pPr>
             <a:r>
               <a:rPr lang="it-IT" dirty="0"/>
-              <a:t>La natura semplice del progetto ha fatto ricadere sulla scelta di utilizzare </a:t>
+              <a:t>La semplicità di utilizzo del progetto ha fatto ricadere sulla scelta di utilizzare </a:t>
             </a:r>
             <a:r>
               <a:rPr lang="it-IT" b="1" dirty="0" err="1"/>
@@ -26897,7 +26902,15 @@
             </a:pPr>
             <a:r>
               <a:rPr lang="it-IT" dirty="0"/>
-              <a:t>I promemoria forniti a seguito di una prenotazione sono dei pdf creati mediante </a:t>
+              <a:t>I promemoria forniti a seguito di una prenotazione sono dei pdf creati in </a:t>
+            </a:r>
+            <a:r>
+              <a:rPr lang="it-IT" dirty="0" err="1"/>
+              <a:t>python</a:t>
+            </a:r>
+            <a:r>
+              <a:rPr lang="it-IT" dirty="0"/>
+              <a:t> mediante </a:t>
             </a:r>
             <a:r>
               <a:rPr lang="it-IT" b="1" dirty="0" err="1"/>
@@ -26905,7 +26918,7 @@
             </a:r>
             <a:r>
               <a:rPr lang="it-IT" dirty="0"/>
-              <a:t>, a complemento dei quali </a:t>
+              <a:t>, a complemento dei quali viene aggiunto un </a:t>
             </a:r>
             <a:r>
               <a:rPr lang="it-IT" b="1" dirty="0" err="1"/>
@@ -26915,7 +26928,6 @@
               <a:rPr lang="it-IT" dirty="0"/>
               <a:t>.</a:t>
             </a:r>
-            <a:endParaRPr lang="it-IT" b="1" dirty="0"/>
           </a:p>
           <a:p>
             <a:pPr marL="0" indent="0">
@@ -27098,13 +27110,7 @@
           <a:p>
             <a:r>
               <a:rPr lang="it-IT" dirty="0"/>
-              <a:t>Controllo dell’esistenza di un business</a:t>
-            </a:r>
-          </a:p>
-          <a:p>
-            <a:r>
-              <a:rPr lang="it-IT" dirty="0"/>
-              <a:t>Account client</a:t>
+              <a:t>Account per i clienti</a:t>
             </a:r>
           </a:p>
           <a:p>
@@ -28117,9 +28123,15 @@
             <a:pPr marL="0" indent="0">
               <a:buNone/>
             </a:pPr>
+            <a:endParaRPr lang="it-IT" dirty="0"/>
+          </a:p>
+          <a:p>
+            <a:pPr marL="0" indent="0">
+              <a:buNone/>
+            </a:pPr>
             <a:r>
               <a:rPr lang="it-IT" dirty="0"/>
-              <a:t>Effettuata una prenotazione, ricevono quindi un promemoria che funge da conferma di prenotazione.</a:t>
+              <a:t>Effettuata una prenotazione, ricevono un promemoria, via mail, che funge da conferma di prenotazione.</a:t>
             </a:r>
           </a:p>
         </p:txBody>
@@ -28471,7 +28483,7 @@
         <p:spPr>
           <a:xfrm>
             <a:off x="4143737" y="2336185"/>
-            <a:ext cx="5243332" cy="2713563"/>
+            <a:ext cx="5243332" cy="2219069"/>
           </a:xfrm>
           <a:prstGeom prst="rect">
             <a:avLst/>
@@ -28483,86 +28495,6 @@
             <a:spAutoFit/>
           </a:bodyPr>
           <a:lstStyle/>
-          <a:p>
-            <a:pPr marL="285750" indent="-285750">
-              <a:lnSpc>
-                <a:spcPct val="140000"/>
-              </a:lnSpc>
-              <a:spcBef>
-                <a:spcPts val="1000"/>
-              </a:spcBef>
-              <a:buClr>
-                <a:schemeClr val="bg2">
-                  <a:lumMod val="75000"/>
-                </a:schemeClr>
-              </a:buClr>
-              <a:buFont typeface="Arial" panose="020B0604020202020204" pitchFamily="34" charset="0"/>
-              <a:buChar char="•"/>
-            </a:pPr>
-            <a:r>
-              <a:rPr lang="it-IT" sz="1700" dirty="0" err="1">
-                <a:solidFill>
-                  <a:schemeClr val="tx2"/>
-                </a:solidFill>
-              </a:rPr>
-              <a:t>Js-year-calendar</a:t>
-            </a:r>
-            <a:endParaRPr lang="it-IT" sz="1700" dirty="0">
-              <a:solidFill>
-                <a:schemeClr val="tx2"/>
-              </a:solidFill>
-            </a:endParaRPr>
-          </a:p>
-          <a:p>
-            <a:pPr marL="285750" indent="-285750">
-              <a:lnSpc>
-                <a:spcPct val="140000"/>
-              </a:lnSpc>
-              <a:spcBef>
-                <a:spcPts val="1000"/>
-              </a:spcBef>
-              <a:buClr>
-                <a:schemeClr val="bg2">
-                  <a:lumMod val="75000"/>
-                </a:schemeClr>
-              </a:buClr>
-              <a:buFont typeface="Arial" panose="020B0604020202020204" pitchFamily="34" charset="0"/>
-              <a:buChar char="•"/>
-            </a:pPr>
-            <a:r>
-              <a:rPr lang="it-IT" sz="1700" dirty="0">
-                <a:solidFill>
-                  <a:schemeClr val="tx2"/>
-                </a:solidFill>
-              </a:rPr>
-              <a:t>Star-rating.js</a:t>
-            </a:r>
-          </a:p>
-          <a:p>
-            <a:pPr marL="285750" indent="-285750">
-              <a:lnSpc>
-                <a:spcPct val="140000"/>
-              </a:lnSpc>
-              <a:spcBef>
-                <a:spcPts val="1000"/>
-              </a:spcBef>
-              <a:buClr>
-                <a:schemeClr val="bg2">
-                  <a:lumMod val="75000"/>
-                </a:schemeClr>
-              </a:buClr>
-              <a:buFont typeface="Arial" panose="020B0604020202020204" pitchFamily="34" charset="0"/>
-              <a:buChar char="•"/>
-            </a:pPr>
-            <a:r>
-              <a:rPr lang="it-IT" sz="1700" dirty="0">
-                <a:solidFill>
-                  <a:schemeClr val="tx2"/>
-                </a:solidFill>
-              </a:rPr>
-              <a:t>Popper.js</a:t>
-            </a:r>
-          </a:p>
           <a:p>
             <a:pPr marL="285750" indent="-285750">
               <a:lnSpc>
@@ -28622,38 +28554,6 @@
             </a:r>
           </a:p>
           <a:p>
-            <a:endParaRPr lang="it-IT" dirty="0"/>
-          </a:p>
-        </p:txBody>
-      </p:sp>
-      <p:sp>
-        <p:nvSpPr>
-          <p:cNvPr id="6" name="CasellaDiTesto 5">
-            <a:extLst>
-              <a:ext uri="{FF2B5EF4-FFF2-40B4-BE49-F238E27FC236}">
-                <a16:creationId xmlns:a16="http://schemas.microsoft.com/office/drawing/2014/main" id="{3B1EB097-830C-4FB3-8021-4BEB005B71B7}"/>
-              </a:ext>
-            </a:extLst>
-          </p:cNvPr>
-          <p:cNvSpPr txBox="1"/>
-          <p:nvPr/>
-        </p:nvSpPr>
-        <p:spPr>
-          <a:xfrm>
-            <a:off x="7217626" y="2336185"/>
-            <a:ext cx="5243332" cy="1724575"/>
-          </a:xfrm>
-          <a:prstGeom prst="rect">
-            <a:avLst/>
-          </a:prstGeom>
-          <a:noFill/>
-        </p:spPr>
-        <p:txBody>
-          <a:bodyPr wrap="square" rtlCol="0">
-            <a:spAutoFit/>
-          </a:bodyPr>
-          <a:lstStyle/>
-          <a:p>
             <a:pPr marL="285750" indent="-285750">
               <a:lnSpc>
                 <a:spcPct val="140000"/>
@@ -28707,28 +28607,6 @@
               </a:rPr>
               <a:t>uWSGI</a:t>
             </a:r>
-            <a:endParaRPr lang="it-IT" sz="1700" dirty="0">
-              <a:solidFill>
-                <a:schemeClr val="tx2"/>
-              </a:solidFill>
-            </a:endParaRPr>
-          </a:p>
-          <a:p>
-            <a:pPr marL="285750" indent="-285750">
-              <a:lnSpc>
-                <a:spcPct val="140000"/>
-              </a:lnSpc>
-              <a:spcBef>
-                <a:spcPts val="1000"/>
-              </a:spcBef>
-              <a:buClr>
-                <a:schemeClr val="bg2">
-                  <a:lumMod val="75000"/>
-                </a:schemeClr>
-              </a:buClr>
-              <a:buFont typeface="Arial" panose="020B0604020202020204" pitchFamily="34" charset="0"/>
-              <a:buChar char="•"/>
-            </a:pPr>
             <a:endParaRPr lang="it-IT" sz="1700" dirty="0">
               <a:solidFill>
                 <a:schemeClr val="tx2"/>
@@ -28874,19 +28752,11 @@
             </a:r>
             <a:r>
               <a:rPr lang="it-IT" dirty="0"/>
-              <a:t>è un </a:t>
+              <a:t>è un micro-framework basato su </a:t>
             </a:r>
             <a:r>
               <a:rPr lang="it-IT" dirty="0" err="1"/>
-              <a:t>microframework</a:t>
-            </a:r>
-            <a:r>
-              <a:rPr lang="it-IT" dirty="0"/>
-              <a:t> basato su </a:t>
-            </a:r>
-            <a:r>
-              <a:rPr lang="it-IT" dirty="0" err="1"/>
-              <a:t>Werkzeugo</a:t>
+              <a:t>Werkzeug</a:t>
             </a:r>
             <a:r>
               <a:rPr lang="it-IT" dirty="0"/>
@@ -29090,11 +28960,19 @@
             </a:r>
             <a:r>
               <a:rPr lang="it-IT" b="1" dirty="0"/>
-              <a:t>Docker </a:t>
+              <a:t>Docker</a:t>
             </a:r>
             <a:r>
               <a:rPr lang="it-IT" dirty="0"/>
-              <a:t>dalle quali due container; ciò in linea con la buona norma di isolare ognuno dei processi nel proprio container, mettendo però assieme </a:t>
+              <a:t>,</a:t>
+            </a:r>
+            <a:r>
+              <a:rPr lang="it-IT" b="1" dirty="0"/>
+              <a:t> </a:t>
+            </a:r>
+            <a:r>
+              <a:rPr lang="it-IT" dirty="0"/>
+              <a:t>dalle quali vengono avviati due containers; ciò avviene in linea con la buona norma di isolare ogni processo nel proprio container, mettendo però assieme </a:t>
             </a:r>
             <a:r>
               <a:rPr lang="it-IT" dirty="0" err="1"/>
@@ -29112,60 +28990,6 @@
               <a:rPr lang="it-IT" dirty="0"/>
               <a:t>.</a:t>
             </a:r>
-          </a:p>
-        </p:txBody>
-      </p:sp>
-      <p:sp>
-        <p:nvSpPr>
-          <p:cNvPr id="6" name="CasellaDiTesto 5">
-            <a:extLst>
-              <a:ext uri="{FF2B5EF4-FFF2-40B4-BE49-F238E27FC236}">
-                <a16:creationId xmlns:a16="http://schemas.microsoft.com/office/drawing/2014/main" id="{3B1EB097-830C-4FB3-8021-4BEB005B71B7}"/>
-              </a:ext>
-            </a:extLst>
-          </p:cNvPr>
-          <p:cNvSpPr txBox="1"/>
-          <p:nvPr/>
-        </p:nvSpPr>
-        <p:spPr>
-          <a:xfrm>
-            <a:off x="7217626" y="2336185"/>
-            <a:ext cx="5243332" cy="735586"/>
-          </a:xfrm>
-          <a:prstGeom prst="rect">
-            <a:avLst/>
-          </a:prstGeom>
-          <a:noFill/>
-        </p:spPr>
-        <p:txBody>
-          <a:bodyPr wrap="square" rtlCol="0">
-            <a:spAutoFit/>
-          </a:bodyPr>
-          <a:lstStyle/>
-          <a:p>
-            <a:pPr marL="285750" indent="-285750">
-              <a:lnSpc>
-                <a:spcPct val="140000"/>
-              </a:lnSpc>
-              <a:spcBef>
-                <a:spcPts val="1000"/>
-              </a:spcBef>
-              <a:buClr>
-                <a:schemeClr val="bg2">
-                  <a:lumMod val="75000"/>
-                </a:schemeClr>
-              </a:buClr>
-              <a:buFont typeface="Arial" panose="020B0604020202020204" pitchFamily="34" charset="0"/>
-              <a:buChar char="•"/>
-            </a:pPr>
-            <a:endParaRPr lang="it-IT" sz="1700" dirty="0">
-              <a:solidFill>
-                <a:schemeClr val="tx2"/>
-              </a:solidFill>
-            </a:endParaRPr>
-          </a:p>
-          <a:p>
-            <a:endParaRPr lang="it-IT" dirty="0"/>
           </a:p>
         </p:txBody>
       </p:sp>
